--- a/asset/模板.pptx
+++ b/asset/模板.pptx
@@ -4,6 +4,9 @@
   <p:sldMasterIdLst>
     <p:sldMasterId id="2147483648" r:id="rId1"/>
   </p:sldMasterIdLst>
+  <p:sldIdLst>
+    <p:sldId id="256" r:id="rId2"/>
+  </p:sldIdLst>
   <p:sldSz cx="14392275" cy="7200900"/>
   <p:notesSz cx="6858000" cy="9144000"/>
   <p:defaultTextStyle>
@@ -101,6 +104,11 @@
       </a:defRPr>
     </a:lvl9pPr>
   </p:defaultTextStyle>
+  <p:extLst>
+    <p:ext uri="{EFAFB233-063F-42B5-8137-9DF3F51BA10A}">
+      <p15:sldGuideLst xmlns:p15="http://schemas.microsoft.com/office/powerpoint/2012/main"/>
+    </p:ext>
+  </p:extLst>
 </p:presentation>
 </file>
 
@@ -251,7 +259,7 @@
           <a:p>
             <a:fld id="{1DB6A051-8D23-457B-983C-2D588DCFE1A0}" type="datetimeFigureOut">
               <a:rPr lang="zh-CN" altLang="en-US" smtClean="0"/>
-              <a:t>2021/3/14</a:t>
+              <a:t>2021/3/15</a:t>
             </a:fld>
             <a:endParaRPr lang="zh-CN" altLang="en-US"/>
           </a:p>
@@ -449,7 +457,7 @@
           <a:p>
             <a:fld id="{1DB6A051-8D23-457B-983C-2D588DCFE1A0}" type="datetimeFigureOut">
               <a:rPr lang="zh-CN" altLang="en-US" smtClean="0"/>
-              <a:t>2021/3/14</a:t>
+              <a:t>2021/3/15</a:t>
             </a:fld>
             <a:endParaRPr lang="zh-CN" altLang="en-US"/>
           </a:p>
@@ -657,7 +665,7 @@
           <a:p>
             <a:fld id="{1DB6A051-8D23-457B-983C-2D588DCFE1A0}" type="datetimeFigureOut">
               <a:rPr lang="zh-CN" altLang="en-US" smtClean="0"/>
-              <a:t>2021/3/14</a:t>
+              <a:t>2021/3/15</a:t>
             </a:fld>
             <a:endParaRPr lang="zh-CN" altLang="en-US"/>
           </a:p>
@@ -855,7 +863,7 @@
           <a:p>
             <a:fld id="{1DB6A051-8D23-457B-983C-2D588DCFE1A0}" type="datetimeFigureOut">
               <a:rPr lang="zh-CN" altLang="en-US" smtClean="0"/>
-              <a:t>2021/3/14</a:t>
+              <a:t>2021/3/15</a:t>
             </a:fld>
             <a:endParaRPr lang="zh-CN" altLang="en-US"/>
           </a:p>
@@ -1130,7 +1138,7 @@
           <a:p>
             <a:fld id="{1DB6A051-8D23-457B-983C-2D588DCFE1A0}" type="datetimeFigureOut">
               <a:rPr lang="zh-CN" altLang="en-US" smtClean="0"/>
-              <a:t>2021/3/14</a:t>
+              <a:t>2021/3/15</a:t>
             </a:fld>
             <a:endParaRPr lang="zh-CN" altLang="en-US"/>
           </a:p>
@@ -1395,7 +1403,7 @@
           <a:p>
             <a:fld id="{1DB6A051-8D23-457B-983C-2D588DCFE1A0}" type="datetimeFigureOut">
               <a:rPr lang="zh-CN" altLang="en-US" smtClean="0"/>
-              <a:t>2021/3/14</a:t>
+              <a:t>2021/3/15</a:t>
             </a:fld>
             <a:endParaRPr lang="zh-CN" altLang="en-US"/>
           </a:p>
@@ -1807,7 +1815,7 @@
           <a:p>
             <a:fld id="{1DB6A051-8D23-457B-983C-2D588DCFE1A0}" type="datetimeFigureOut">
               <a:rPr lang="zh-CN" altLang="en-US" smtClean="0"/>
-              <a:t>2021/3/14</a:t>
+              <a:t>2021/3/15</a:t>
             </a:fld>
             <a:endParaRPr lang="zh-CN" altLang="en-US"/>
           </a:p>
@@ -1948,7 +1956,7 @@
           <a:p>
             <a:fld id="{1DB6A051-8D23-457B-983C-2D588DCFE1A0}" type="datetimeFigureOut">
               <a:rPr lang="zh-CN" altLang="en-US" smtClean="0"/>
-              <a:t>2021/3/14</a:t>
+              <a:t>2021/3/15</a:t>
             </a:fld>
             <a:endParaRPr lang="zh-CN" altLang="en-US"/>
           </a:p>
@@ -2061,7 +2069,7 @@
           <a:p>
             <a:fld id="{1DB6A051-8D23-457B-983C-2D588DCFE1A0}" type="datetimeFigureOut">
               <a:rPr lang="zh-CN" altLang="en-US" smtClean="0"/>
-              <a:t>2021/3/14</a:t>
+              <a:t>2021/3/15</a:t>
             </a:fld>
             <a:endParaRPr lang="zh-CN" altLang="en-US"/>
           </a:p>
@@ -2372,7 +2380,7 @@
           <a:p>
             <a:fld id="{1DB6A051-8D23-457B-983C-2D588DCFE1A0}" type="datetimeFigureOut">
               <a:rPr lang="zh-CN" altLang="en-US" smtClean="0"/>
-              <a:t>2021/3/14</a:t>
+              <a:t>2021/3/15</a:t>
             </a:fld>
             <a:endParaRPr lang="zh-CN" altLang="en-US"/>
           </a:p>
@@ -2660,7 +2668,7 @@
           <a:p>
             <a:fld id="{1DB6A051-8D23-457B-983C-2D588DCFE1A0}" type="datetimeFigureOut">
               <a:rPr lang="zh-CN" altLang="en-US" smtClean="0"/>
-              <a:t>2021/3/14</a:t>
+              <a:t>2021/3/15</a:t>
             </a:fld>
             <a:endParaRPr lang="zh-CN" altLang="en-US"/>
           </a:p>
@@ -2901,7 +2909,7 @@
           <a:p>
             <a:fld id="{1DB6A051-8D23-457B-983C-2D588DCFE1A0}" type="datetimeFigureOut">
               <a:rPr lang="zh-CN" altLang="en-US" smtClean="0"/>
-              <a:t>2021/3/14</a:t>
+              <a:t>2021/3/15</a:t>
             </a:fld>
             <a:endParaRPr lang="zh-CN" altLang="en-US"/>
           </a:p>
@@ -3301,6 +3309,36 @@
 </p:sldMaster>
 </file>
 
+<file path=ppt/slides/slide1.xml><?xml version="1.0" encoding="utf-8"?>
+<p:sld xmlns:a="http://schemas.openxmlformats.org/drawingml/2006/main" xmlns:r="http://schemas.openxmlformats.org/officeDocument/2006/relationships" xmlns:p="http://schemas.openxmlformats.org/presentationml/2006/main">
+  <p:cSld>
+    <p:spTree>
+      <p:nvGrpSpPr>
+        <p:cNvPr id="1" name=""/>
+        <p:cNvGrpSpPr/>
+        <p:nvPr/>
+      </p:nvGrpSpPr>
+      <p:grpSpPr>
+        <a:xfrm>
+          <a:off x="0" y="0"/>
+          <a:ext cx="0" cy="0"/>
+          <a:chOff x="0" y="0"/>
+          <a:chExt cx="0" cy="0"/>
+        </a:xfrm>
+      </p:grpSpPr>
+    </p:spTree>
+    <p:extLst>
+      <p:ext uri="{BB962C8B-B14F-4D97-AF65-F5344CB8AC3E}">
+        <p14:creationId xmlns:p14="http://schemas.microsoft.com/office/powerpoint/2010/main" val="2658108237"/>
+      </p:ext>
+    </p:extLst>
+  </p:cSld>
+  <p:clrMapOvr>
+    <a:masterClrMapping/>
+  </p:clrMapOvr>
+</p:sld>
+</file>
+
 <file path=ppt/theme/theme1.xml><?xml version="1.0" encoding="utf-8"?>
 <a:theme xmlns:a="http://schemas.openxmlformats.org/drawingml/2006/main" name="Office 主题​​">
   <a:themeElements>
@@ -3342,110 +3380,16 @@
         <a:srgbClr val="954F72"/>
       </a:folHlink>
     </a:clrScheme>
-    <a:fontScheme name="Office">
+    <a:fontScheme name="思源黑体 CN Medium">
       <a:majorFont>
-        <a:latin typeface="等线 Light" panose="020F0302020204030204"/>
-        <a:ea typeface=""/>
+        <a:latin typeface="思源黑体 CN Medium"/>
+        <a:ea typeface="思源黑体 CN Medium"/>
         <a:cs typeface=""/>
-        <a:font script="Jpan" typeface="游ゴシック Light"/>
-        <a:font script="Hang" typeface="맑은 고딕"/>
-        <a:font script="Hans" typeface="等线 Light"/>
-        <a:font script="Hant" typeface="新細明體"/>
-        <a:font script="Arab" typeface="Times New Roman"/>
-        <a:font script="Hebr" typeface="Times New Roman"/>
-        <a:font script="Thai" typeface="Angsana New"/>
-        <a:font script="Ethi" typeface="Nyala"/>
-        <a:font script="Beng" typeface="Vrinda"/>
-        <a:font script="Gujr" typeface="Shruti"/>
-        <a:font script="Khmr" typeface="MoolBoran"/>
-        <a:font script="Knda" typeface="Tunga"/>
-        <a:font script="Guru" typeface="Raavi"/>
-        <a:font script="Cans" typeface="Euphemia"/>
-        <a:font script="Cher" typeface="Plantagenet Cherokee"/>
-        <a:font script="Yiii" typeface="Microsoft Yi Baiti"/>
-        <a:font script="Tibt" typeface="Microsoft Himalaya"/>
-        <a:font script="Thaa" typeface="MV Boli"/>
-        <a:font script="Deva" typeface="Mangal"/>
-        <a:font script="Telu" typeface="Gautami"/>
-        <a:font script="Taml" typeface="Latha"/>
-        <a:font script="Syrc" typeface="Estrangelo Edessa"/>
-        <a:font script="Orya" typeface="Kalinga"/>
-        <a:font script="Mlym" typeface="Kartika"/>
-        <a:font script="Laoo" typeface="DokChampa"/>
-        <a:font script="Sinh" typeface="Iskoola Pota"/>
-        <a:font script="Mong" typeface="Mongolian Baiti"/>
-        <a:font script="Viet" typeface="Times New Roman"/>
-        <a:font script="Uigh" typeface="Microsoft Uighur"/>
-        <a:font script="Geor" typeface="Sylfaen"/>
-        <a:font script="Armn" typeface="Arial"/>
-        <a:font script="Bugi" typeface="Leelawadee UI"/>
-        <a:font script="Bopo" typeface="Microsoft JhengHei"/>
-        <a:font script="Java" typeface="Javanese Text"/>
-        <a:font script="Lisu" typeface="Segoe UI"/>
-        <a:font script="Mymr" typeface="Myanmar Text"/>
-        <a:font script="Nkoo" typeface="Ebrima"/>
-        <a:font script="Olck" typeface="Nirmala UI"/>
-        <a:font script="Osma" typeface="Ebrima"/>
-        <a:font script="Phag" typeface="Phagspa"/>
-        <a:font script="Syrn" typeface="Estrangelo Edessa"/>
-        <a:font script="Syrj" typeface="Estrangelo Edessa"/>
-        <a:font script="Syre" typeface="Estrangelo Edessa"/>
-        <a:font script="Sora" typeface="Nirmala UI"/>
-        <a:font script="Tale" typeface="Microsoft Tai Le"/>
-        <a:font script="Talu" typeface="Microsoft New Tai Lue"/>
-        <a:font script="Tfng" typeface="Ebrima"/>
       </a:majorFont>
       <a:minorFont>
-        <a:latin typeface="等线" panose="020F0502020204030204"/>
-        <a:ea typeface=""/>
+        <a:latin typeface="思源黑体 CN Medium"/>
+        <a:ea typeface="思源黑体 CN Medium"/>
         <a:cs typeface=""/>
-        <a:font script="Jpan" typeface="游ゴシック"/>
-        <a:font script="Hang" typeface="맑은 고딕"/>
-        <a:font script="Hans" typeface="等线"/>
-        <a:font script="Hant" typeface="新細明體"/>
-        <a:font script="Arab" typeface="Arial"/>
-        <a:font script="Hebr" typeface="Arial"/>
-        <a:font script="Thai" typeface="Cordia New"/>
-        <a:font script="Ethi" typeface="Nyala"/>
-        <a:font script="Beng" typeface="Vrinda"/>
-        <a:font script="Gujr" typeface="Shruti"/>
-        <a:font script="Khmr" typeface="DaunPenh"/>
-        <a:font script="Knda" typeface="Tunga"/>
-        <a:font script="Guru" typeface="Raavi"/>
-        <a:font script="Cans" typeface="Euphemia"/>
-        <a:font script="Cher" typeface="Plantagenet Cherokee"/>
-        <a:font script="Yiii" typeface="Microsoft Yi Baiti"/>
-        <a:font script="Tibt" typeface="Microsoft Himalaya"/>
-        <a:font script="Thaa" typeface="MV Boli"/>
-        <a:font script="Deva" typeface="Mangal"/>
-        <a:font script="Telu" typeface="Gautami"/>
-        <a:font script="Taml" typeface="Latha"/>
-        <a:font script="Syrc" typeface="Estrangelo Edessa"/>
-        <a:font script="Orya" typeface="Kalinga"/>
-        <a:font script="Mlym" typeface="Kartika"/>
-        <a:font script="Laoo" typeface="DokChampa"/>
-        <a:font script="Sinh" typeface="Iskoola Pota"/>
-        <a:font script="Mong" typeface="Mongolian Baiti"/>
-        <a:font script="Viet" typeface="Arial"/>
-        <a:font script="Uigh" typeface="Microsoft Uighur"/>
-        <a:font script="Geor" typeface="Sylfaen"/>
-        <a:font script="Armn" typeface="Arial"/>
-        <a:font script="Bugi" typeface="Leelawadee UI"/>
-        <a:font script="Bopo" typeface="Microsoft JhengHei"/>
-        <a:font script="Java" typeface="Javanese Text"/>
-        <a:font script="Lisu" typeface="Segoe UI"/>
-        <a:font script="Mymr" typeface="Myanmar Text"/>
-        <a:font script="Nkoo" typeface="Ebrima"/>
-        <a:font script="Olck" typeface="Nirmala UI"/>
-        <a:font script="Osma" typeface="Ebrima"/>
-        <a:font script="Phag" typeface="Phagspa"/>
-        <a:font script="Syrn" typeface="Estrangelo Edessa"/>
-        <a:font script="Syrj" typeface="Estrangelo Edessa"/>
-        <a:font script="Syre" typeface="Estrangelo Edessa"/>
-        <a:font script="Sora" typeface="Nirmala UI"/>
-        <a:font script="Tale" typeface="Microsoft Tai Le"/>
-        <a:font script="Talu" typeface="Microsoft New Tai Lue"/>
-        <a:font script="Tfng" typeface="Ebrima"/>
       </a:minorFont>
     </a:fontScheme>
     <a:fmtScheme name="Office">
@@ -3586,7 +3530,21 @@
       </a:bgFillStyleLst>
     </a:fmtScheme>
   </a:themeElements>
-  <a:objectDefaults/>
+  <a:objectDefaults>
+    <a:txDef>
+      <a:spPr>
+        <a:noFill/>
+      </a:spPr>
+      <a:bodyPr wrap="none" rtlCol="0">
+        <a:spAutoFit/>
+      </a:bodyPr>
+      <a:lstStyle>
+        <a:defPPr algn="l">
+          <a:defRPr sz="2400" smtClean="0"/>
+        </a:defPPr>
+      </a:lstStyle>
+    </a:txDef>
+  </a:objectDefaults>
   <a:extraClrSchemeLst/>
   <a:extLst>
     <a:ext uri="{05A4C25C-085E-4340-85A3-A5531E510DB2}">

--- a/asset/模板.pptx
+++ b/asset/模板.pptx
@@ -259,7 +259,7 @@
           <a:p>
             <a:fld id="{1DB6A051-8D23-457B-983C-2D588DCFE1A0}" type="datetimeFigureOut">
               <a:rPr lang="zh-CN" altLang="en-US" smtClean="0"/>
-              <a:t>2021/3/15</a:t>
+              <a:t>2021/5/8</a:t>
             </a:fld>
             <a:endParaRPr lang="zh-CN" altLang="en-US"/>
           </a:p>
@@ -457,7 +457,7 @@
           <a:p>
             <a:fld id="{1DB6A051-8D23-457B-983C-2D588DCFE1A0}" type="datetimeFigureOut">
               <a:rPr lang="zh-CN" altLang="en-US" smtClean="0"/>
-              <a:t>2021/3/15</a:t>
+              <a:t>2021/5/8</a:t>
             </a:fld>
             <a:endParaRPr lang="zh-CN" altLang="en-US"/>
           </a:p>
@@ -665,7 +665,7 @@
           <a:p>
             <a:fld id="{1DB6A051-8D23-457B-983C-2D588DCFE1A0}" type="datetimeFigureOut">
               <a:rPr lang="zh-CN" altLang="en-US" smtClean="0"/>
-              <a:t>2021/3/15</a:t>
+              <a:t>2021/5/8</a:t>
             </a:fld>
             <a:endParaRPr lang="zh-CN" altLang="en-US"/>
           </a:p>
@@ -863,7 +863,7 @@
           <a:p>
             <a:fld id="{1DB6A051-8D23-457B-983C-2D588DCFE1A0}" type="datetimeFigureOut">
               <a:rPr lang="zh-CN" altLang="en-US" smtClean="0"/>
-              <a:t>2021/3/15</a:t>
+              <a:t>2021/5/8</a:t>
             </a:fld>
             <a:endParaRPr lang="zh-CN" altLang="en-US"/>
           </a:p>
@@ -1138,7 +1138,7 @@
           <a:p>
             <a:fld id="{1DB6A051-8D23-457B-983C-2D588DCFE1A0}" type="datetimeFigureOut">
               <a:rPr lang="zh-CN" altLang="en-US" smtClean="0"/>
-              <a:t>2021/3/15</a:t>
+              <a:t>2021/5/8</a:t>
             </a:fld>
             <a:endParaRPr lang="zh-CN" altLang="en-US"/>
           </a:p>
@@ -1403,7 +1403,7 @@
           <a:p>
             <a:fld id="{1DB6A051-8D23-457B-983C-2D588DCFE1A0}" type="datetimeFigureOut">
               <a:rPr lang="zh-CN" altLang="en-US" smtClean="0"/>
-              <a:t>2021/3/15</a:t>
+              <a:t>2021/5/8</a:t>
             </a:fld>
             <a:endParaRPr lang="zh-CN" altLang="en-US"/>
           </a:p>
@@ -1815,7 +1815,7 @@
           <a:p>
             <a:fld id="{1DB6A051-8D23-457B-983C-2D588DCFE1A0}" type="datetimeFigureOut">
               <a:rPr lang="zh-CN" altLang="en-US" smtClean="0"/>
-              <a:t>2021/3/15</a:t>
+              <a:t>2021/5/8</a:t>
             </a:fld>
             <a:endParaRPr lang="zh-CN" altLang="en-US"/>
           </a:p>
@@ -1956,7 +1956,7 @@
           <a:p>
             <a:fld id="{1DB6A051-8D23-457B-983C-2D588DCFE1A0}" type="datetimeFigureOut">
               <a:rPr lang="zh-CN" altLang="en-US" smtClean="0"/>
-              <a:t>2021/3/15</a:t>
+              <a:t>2021/5/8</a:t>
             </a:fld>
             <a:endParaRPr lang="zh-CN" altLang="en-US"/>
           </a:p>
@@ -2069,7 +2069,7 @@
           <a:p>
             <a:fld id="{1DB6A051-8D23-457B-983C-2D588DCFE1A0}" type="datetimeFigureOut">
               <a:rPr lang="zh-CN" altLang="en-US" smtClean="0"/>
-              <a:t>2021/3/15</a:t>
+              <a:t>2021/5/8</a:t>
             </a:fld>
             <a:endParaRPr lang="zh-CN" altLang="en-US"/>
           </a:p>
@@ -2380,7 +2380,7 @@
           <a:p>
             <a:fld id="{1DB6A051-8D23-457B-983C-2D588DCFE1A0}" type="datetimeFigureOut">
               <a:rPr lang="zh-CN" altLang="en-US" smtClean="0"/>
-              <a:t>2021/3/15</a:t>
+              <a:t>2021/5/8</a:t>
             </a:fld>
             <a:endParaRPr lang="zh-CN" altLang="en-US"/>
           </a:p>
@@ -2668,7 +2668,7 @@
           <a:p>
             <a:fld id="{1DB6A051-8D23-457B-983C-2D588DCFE1A0}" type="datetimeFigureOut">
               <a:rPr lang="zh-CN" altLang="en-US" smtClean="0"/>
-              <a:t>2021/3/15</a:t>
+              <a:t>2021/5/8</a:t>
             </a:fld>
             <a:endParaRPr lang="zh-CN" altLang="en-US"/>
           </a:p>
@@ -2909,7 +2909,7 @@
           <a:p>
             <a:fld id="{1DB6A051-8D23-457B-983C-2D588DCFE1A0}" type="datetimeFigureOut">
               <a:rPr lang="zh-CN" altLang="en-US" smtClean="0"/>
-              <a:t>2021/3/15</a:t>
+              <a:t>2021/5/8</a:t>
             </a:fld>
             <a:endParaRPr lang="zh-CN" altLang="en-US"/>
           </a:p>
